--- a/Lessons/Jaar 2/Lesson 5/Lesson 5.pptx
+++ b/Lessons/Jaar 2/Lesson 5/Lesson 5.pptx
@@ -278,7 +278,7 @@
           <a:p>
             <a:fld id="{84F85FDE-986E-4551-989E-09F8C4D6AE8F}" type="datetimeFigureOut">
               <a:rPr lang="en-US" smtClean="0"/>
-              <a:t>1/14/2020</a:t>
+              <a:t>1/15/2020</a:t>
             </a:fld>
             <a:endParaRPr lang="en-US"/>
           </a:p>
@@ -478,7 +478,7 @@
           <a:p>
             <a:fld id="{84F85FDE-986E-4551-989E-09F8C4D6AE8F}" type="datetimeFigureOut">
               <a:rPr lang="en-US" smtClean="0"/>
-              <a:t>1/14/2020</a:t>
+              <a:t>1/15/2020</a:t>
             </a:fld>
             <a:endParaRPr lang="en-US"/>
           </a:p>
@@ -688,7 +688,7 @@
           <a:p>
             <a:fld id="{84F85FDE-986E-4551-989E-09F8C4D6AE8F}" type="datetimeFigureOut">
               <a:rPr lang="en-US" smtClean="0"/>
-              <a:t>1/14/2020</a:t>
+              <a:t>1/15/2020</a:t>
             </a:fld>
             <a:endParaRPr lang="en-US"/>
           </a:p>
@@ -1050,7 +1050,7 @@
           <a:p>
             <a:fld id="{84F85FDE-986E-4551-989E-09F8C4D6AE8F}" type="datetimeFigureOut">
               <a:rPr lang="en-US" smtClean="0"/>
-              <a:t>1/14/2020</a:t>
+              <a:t>1/15/2020</a:t>
             </a:fld>
             <a:endParaRPr lang="en-US"/>
           </a:p>
@@ -1326,7 +1326,7 @@
           <a:p>
             <a:fld id="{84F85FDE-986E-4551-989E-09F8C4D6AE8F}" type="datetimeFigureOut">
               <a:rPr lang="en-US" smtClean="0"/>
-              <a:t>1/14/2020</a:t>
+              <a:t>1/15/2020</a:t>
             </a:fld>
             <a:endParaRPr lang="en-US"/>
           </a:p>
@@ -1594,7 +1594,7 @@
           <a:p>
             <a:fld id="{84F85FDE-986E-4551-989E-09F8C4D6AE8F}" type="datetimeFigureOut">
               <a:rPr lang="en-US" smtClean="0"/>
-              <a:t>1/14/2020</a:t>
+              <a:t>1/15/2020</a:t>
             </a:fld>
             <a:endParaRPr lang="en-US"/>
           </a:p>
@@ -2009,7 +2009,7 @@
           <a:p>
             <a:fld id="{84F85FDE-986E-4551-989E-09F8C4D6AE8F}" type="datetimeFigureOut">
               <a:rPr lang="en-US" smtClean="0"/>
-              <a:t>1/14/2020</a:t>
+              <a:t>1/15/2020</a:t>
             </a:fld>
             <a:endParaRPr lang="en-US"/>
           </a:p>
@@ -2151,7 +2151,7 @@
           <a:p>
             <a:fld id="{84F85FDE-986E-4551-989E-09F8C4D6AE8F}" type="datetimeFigureOut">
               <a:rPr lang="en-US" smtClean="0"/>
-              <a:t>1/14/2020</a:t>
+              <a:t>1/15/2020</a:t>
             </a:fld>
             <a:endParaRPr lang="en-US"/>
           </a:p>
@@ -2264,7 +2264,7 @@
           <a:p>
             <a:fld id="{84F85FDE-986E-4551-989E-09F8C4D6AE8F}" type="datetimeFigureOut">
               <a:rPr lang="en-US" smtClean="0"/>
-              <a:t>1/14/2020</a:t>
+              <a:t>1/15/2020</a:t>
             </a:fld>
             <a:endParaRPr lang="en-US"/>
           </a:p>
@@ -2577,7 +2577,7 @@
           <a:p>
             <a:fld id="{84F85FDE-986E-4551-989E-09F8C4D6AE8F}" type="datetimeFigureOut">
               <a:rPr lang="en-US" smtClean="0"/>
-              <a:t>1/14/2020</a:t>
+              <a:t>1/15/2020</a:t>
             </a:fld>
             <a:endParaRPr lang="en-US"/>
           </a:p>
@@ -2866,7 +2866,7 @@
           <a:p>
             <a:fld id="{84F85FDE-986E-4551-989E-09F8C4D6AE8F}" type="datetimeFigureOut">
               <a:rPr lang="en-US" smtClean="0"/>
-              <a:t>1/14/2020</a:t>
+              <a:t>1/15/2020</a:t>
             </a:fld>
             <a:endParaRPr lang="en-US"/>
           </a:p>
@@ -3109,7 +3109,7 @@
           <a:p>
             <a:fld id="{84F85FDE-986E-4551-989E-09F8C4D6AE8F}" type="datetimeFigureOut">
               <a:rPr lang="en-US" smtClean="0"/>
-              <a:t>1/14/2020</a:t>
+              <a:t>1/15/2020</a:t>
             </a:fld>
             <a:endParaRPr lang="en-US"/>
           </a:p>
@@ -4873,10 +4873,10 @@
       </p:sp>
       <p:pic>
         <p:nvPicPr>
-          <p:cNvPr id="7" name="Afbeelding 6">
-            <a:extLst>
-              <a:ext uri="{FF2B5EF4-FFF2-40B4-BE49-F238E27FC236}">
-                <a16:creationId xmlns:a16="http://schemas.microsoft.com/office/drawing/2014/main" id="{C1A679AE-1840-49F9-998F-8F76A31A2557}"/>
+          <p:cNvPr id="3" name="Afbeelding 2">
+            <a:extLst>
+              <a:ext uri="{FF2B5EF4-FFF2-40B4-BE49-F238E27FC236}">
+                <a16:creationId xmlns:a16="http://schemas.microsoft.com/office/drawing/2014/main" id="{941F82A8-EAAC-4E2A-A596-92F9336492D1}"/>
               </a:ext>
             </a:extLst>
           </p:cNvPr>
@@ -4893,8 +4893,8 @@
         </p:blipFill>
         <p:spPr>
           <a:xfrm>
-            <a:off x="838200" y="1548607"/>
-            <a:ext cx="7338164" cy="3429794"/>
+            <a:off x="8723312" y="1834584"/>
+            <a:ext cx="3227388" cy="2857840"/>
           </a:xfrm>
           <a:prstGeom prst="rect">
             <a:avLst/>
@@ -4903,10 +4903,10 @@
       </p:pic>
       <p:pic>
         <p:nvPicPr>
-          <p:cNvPr id="3" name="Afbeelding 2">
-            <a:extLst>
-              <a:ext uri="{FF2B5EF4-FFF2-40B4-BE49-F238E27FC236}">
-                <a16:creationId xmlns:a16="http://schemas.microsoft.com/office/drawing/2014/main" id="{941F82A8-EAAC-4E2A-A596-92F9336492D1}"/>
+          <p:cNvPr id="6" name="Afbeelding 5">
+            <a:extLst>
+              <a:ext uri="{FF2B5EF4-FFF2-40B4-BE49-F238E27FC236}">
+                <a16:creationId xmlns:a16="http://schemas.microsoft.com/office/drawing/2014/main" id="{1E7D904A-C48E-4794-84EB-8096D61E8D2D}"/>
               </a:ext>
             </a:extLst>
           </p:cNvPr>
@@ -4923,8 +4923,8 @@
         </p:blipFill>
         <p:spPr>
           <a:xfrm>
-            <a:off x="8723312" y="1834584"/>
-            <a:ext cx="3227388" cy="2857840"/>
+            <a:off x="838200" y="1834584"/>
+            <a:ext cx="7338164" cy="3247772"/>
           </a:xfrm>
           <a:prstGeom prst="rect">
             <a:avLst/>
